--- a/Documentation/Project Presentation.pptx
+++ b/Documentation/Project Presentation.pptx
@@ -7,6 +7,8 @@
   <p:sldIdLst>
     <p:sldId id="256" r:id="rId2"/>
     <p:sldId id="257" r:id="rId3"/>
+    <p:sldId id="258" r:id="rId4"/>
+    <p:sldId id="259" r:id="rId5"/>
   </p:sldIdLst>
   <p:sldSz cx="12192000" cy="6858000"/>
   <p:notesSz cx="6858000" cy="9144000"/>
@@ -3431,7 +3433,10 @@
           <a:bodyPr/>
           <a:lstStyle/>
           <a:p>
-            <a:endParaRPr lang="en-US"/>
+            <a:r>
+              <a:rPr lang="en-US" dirty="0"/>
+              <a:t>Competition Details</a:t>
+            </a:r>
           </a:p>
         </p:txBody>
       </p:sp>
@@ -3506,7 +3511,84 @@
               </a:rPr>
               <a:t>to create art - will you be the next Monet? </a:t>
             </a:r>
-            <a:endParaRPr lang="en-US" dirty="0"/>
+          </a:p>
+          <a:p>
+            <a:pPr algn="l"/>
+            <a:endParaRPr lang="en-US" sz="1800" b="0" i="0" u="none" strike="noStrike" baseline="0" dirty="0">
+              <a:solidFill>
+                <a:srgbClr val="000000"/>
+              </a:solidFill>
+              <a:latin typeface="Arial" panose="020B0604020202020204" pitchFamily="34" charset="0"/>
+            </a:endParaRPr>
+          </a:p>
+          <a:p>
+            <a:r>
+              <a:rPr lang="fi-FI" sz="1800" b="1" i="0" u="none" strike="noStrike" baseline="0" dirty="0">
+                <a:solidFill>
+                  <a:srgbClr val="000000"/>
+                </a:solidFill>
+                <a:latin typeface="Arial" panose="020B0604020202020204" pitchFamily="34" charset="0"/>
+              </a:rPr>
+              <a:t>Dataset link:</a:t>
+            </a:r>
+            <a:r>
+              <a:rPr lang="fi-FI" sz="1800" b="0" i="0" u="none" strike="noStrike" baseline="0" dirty="0">
+                <a:solidFill>
+                  <a:srgbClr val="000000"/>
+                </a:solidFill>
+                <a:latin typeface="Arial" panose="020B0604020202020204" pitchFamily="34" charset="0"/>
+              </a:rPr>
+              <a:t> </a:t>
+            </a:r>
+            <a:r>
+              <a:rPr lang="fi-FI" sz="1800" b="0" i="0" u="none" strike="noStrike" baseline="0" dirty="0">
+                <a:solidFill>
+                  <a:srgbClr val="0462C1"/>
+                </a:solidFill>
+                <a:latin typeface="Arial" panose="020B0604020202020204" pitchFamily="34" charset="0"/>
+              </a:rPr>
+              <a:t>https://www.kaggle.com/c/gan-getting-started/data </a:t>
+            </a:r>
+          </a:p>
+          <a:p>
+            <a:r>
+              <a:rPr lang="en-US" sz="1800" b="1" i="0" u="none" strike="noStrike" baseline="0" dirty="0">
+                <a:solidFill>
+                  <a:srgbClr val="000000"/>
+                </a:solidFill>
+                <a:latin typeface="Arial" panose="020B0604020202020204" pitchFamily="34" charset="0"/>
+              </a:rPr>
+              <a:t>References:</a:t>
+            </a:r>
+            <a:r>
+              <a:rPr lang="en-US" sz="1800" b="0" i="0" u="none" strike="noStrike" baseline="0" dirty="0">
+                <a:solidFill>
+                  <a:srgbClr val="000000"/>
+                </a:solidFill>
+                <a:latin typeface="Arial" panose="020B0604020202020204" pitchFamily="34" charset="0"/>
+              </a:rPr>
+              <a:t> </a:t>
+            </a:r>
+            <a:r>
+              <a:rPr lang="en-US" sz="1800" b="0" i="0" u="none" strike="noStrike" baseline="0" dirty="0">
+                <a:solidFill>
+                  <a:srgbClr val="0462C1"/>
+                </a:solidFill>
+                <a:latin typeface="Arial" panose="020B0604020202020204" pitchFamily="34" charset="0"/>
+              </a:rPr>
+              <a:t>https://jamesmccaffrey.wordpress.com/2020/05/07/the-difference-between-an-autoencoder-and-a-variational-autoencoder-2/ </a:t>
+            </a:r>
+          </a:p>
+          <a:p>
+            <a:r>
+              <a:rPr lang="en-US" sz="1800" b="0" i="0" u="none" strike="noStrike" baseline="0" dirty="0">
+                <a:solidFill>
+                  <a:srgbClr val="0462C1"/>
+                </a:solidFill>
+                <a:latin typeface="Calibri" panose="020F0502020204030204" pitchFamily="34" charset="0"/>
+              </a:rPr>
+              <a:t>https://blog.paperspace.com/implementing-gans-in-tensorflow/ </a:t>
+            </a:r>
           </a:p>
         </p:txBody>
       </p:sp>
@@ -3514,6 +3596,250 @@
     <p:extLst>
       <p:ext uri="{BB962C8B-B14F-4D97-AF65-F5344CB8AC3E}">
         <p14:creationId xmlns:p14="http://schemas.microsoft.com/office/powerpoint/2010/main" val="3092854252"/>
+      </p:ext>
+    </p:extLst>
+  </p:cSld>
+  <p:clrMapOvr>
+    <a:masterClrMapping/>
+  </p:clrMapOvr>
+</p:sld>
+</file>
+
+<file path=ppt/slides/slide3.xml><?xml version="1.0" encoding="utf-8"?>
+<p:sld xmlns:a="http://schemas.openxmlformats.org/drawingml/2006/main" xmlns:r="http://schemas.openxmlformats.org/officeDocument/2006/relationships" xmlns:p="http://schemas.openxmlformats.org/presentationml/2006/main">
+  <p:cSld>
+    <p:spTree>
+      <p:nvGrpSpPr>
+        <p:cNvPr id="1" name=""/>
+        <p:cNvGrpSpPr/>
+        <p:nvPr/>
+      </p:nvGrpSpPr>
+      <p:grpSpPr>
+        <a:xfrm>
+          <a:off x="0" y="0"/>
+          <a:ext cx="0" cy="0"/>
+          <a:chOff x="0" y="0"/>
+          <a:chExt cx="0" cy="0"/>
+        </a:xfrm>
+      </p:grpSpPr>
+      <p:sp>
+        <p:nvSpPr>
+          <p:cNvPr id="2" name="Title 1">
+            <a:extLst>
+              <a:ext uri="{FF2B5EF4-FFF2-40B4-BE49-F238E27FC236}">
+                <a16:creationId xmlns:a16="http://schemas.microsoft.com/office/drawing/2014/main" id="{BEE15ACD-40A2-4CDF-9B52-2FF955FB7CD8}"/>
+              </a:ext>
+            </a:extLst>
+          </p:cNvPr>
+          <p:cNvSpPr>
+            <a:spLocks noGrp="1"/>
+          </p:cNvSpPr>
+          <p:nvPr>
+            <p:ph type="title"/>
+          </p:nvPr>
+        </p:nvSpPr>
+        <p:spPr/>
+        <p:txBody>
+          <a:bodyPr/>
+          <a:lstStyle/>
+          <a:p>
+            <a:r>
+              <a:rPr lang="en-US" dirty="0"/>
+              <a:t>Outline</a:t>
+            </a:r>
+          </a:p>
+        </p:txBody>
+      </p:sp>
+      <p:sp>
+        <p:nvSpPr>
+          <p:cNvPr id="3" name="Content Placeholder 2">
+            <a:extLst>
+              <a:ext uri="{FF2B5EF4-FFF2-40B4-BE49-F238E27FC236}">
+                <a16:creationId xmlns:a16="http://schemas.microsoft.com/office/drawing/2014/main" id="{8AA83688-8EDE-4801-B13B-476614E8D4D3}"/>
+              </a:ext>
+            </a:extLst>
+          </p:cNvPr>
+          <p:cNvSpPr>
+            <a:spLocks noGrp="1"/>
+          </p:cNvSpPr>
+          <p:nvPr>
+            <p:ph idx="1"/>
+          </p:nvPr>
+        </p:nvSpPr>
+        <p:spPr/>
+        <p:txBody>
+          <a:bodyPr/>
+          <a:lstStyle/>
+          <a:p>
+            <a:r>
+              <a:rPr lang="en-US" dirty="0"/>
+              <a:t>GAN Architecture</a:t>
+            </a:r>
+          </a:p>
+          <a:p>
+            <a:r>
+              <a:rPr lang="en-US" dirty="0"/>
+              <a:t>Problem statement</a:t>
+            </a:r>
+          </a:p>
+          <a:p>
+            <a:r>
+              <a:rPr lang="en-US" dirty="0"/>
+              <a:t>Competition Overview</a:t>
+            </a:r>
+          </a:p>
+          <a:p>
+            <a:r>
+              <a:rPr lang="en-US" dirty="0"/>
+              <a:t>Approach</a:t>
+            </a:r>
+          </a:p>
+          <a:p>
+            <a:r>
+              <a:rPr lang="en-US" dirty="0"/>
+              <a:t>Detail of work distribution</a:t>
+            </a:r>
+          </a:p>
+          <a:p>
+            <a:r>
+              <a:rPr lang="en-US" dirty="0"/>
+              <a:t>Competition Result</a:t>
+            </a:r>
+          </a:p>
+          <a:p>
+            <a:endParaRPr lang="en-US" dirty="0"/>
+          </a:p>
+          <a:p>
+            <a:endParaRPr lang="en-US" dirty="0"/>
+          </a:p>
+        </p:txBody>
+      </p:sp>
+    </p:spTree>
+    <p:extLst>
+      <p:ext uri="{BB962C8B-B14F-4D97-AF65-F5344CB8AC3E}">
+        <p14:creationId xmlns:p14="http://schemas.microsoft.com/office/powerpoint/2010/main" val="3090972852"/>
+      </p:ext>
+    </p:extLst>
+  </p:cSld>
+  <p:clrMapOvr>
+    <a:masterClrMapping/>
+  </p:clrMapOvr>
+</p:sld>
+</file>
+
+<file path=ppt/slides/slide4.xml><?xml version="1.0" encoding="utf-8"?>
+<p:sld xmlns:a="http://schemas.openxmlformats.org/drawingml/2006/main" xmlns:r="http://schemas.openxmlformats.org/officeDocument/2006/relationships" xmlns:p="http://schemas.openxmlformats.org/presentationml/2006/main">
+  <p:cSld>
+    <p:spTree>
+      <p:nvGrpSpPr>
+        <p:cNvPr id="1" name=""/>
+        <p:cNvGrpSpPr/>
+        <p:nvPr/>
+      </p:nvGrpSpPr>
+      <p:grpSpPr>
+        <a:xfrm>
+          <a:off x="0" y="0"/>
+          <a:ext cx="0" cy="0"/>
+          <a:chOff x="0" y="0"/>
+          <a:chExt cx="0" cy="0"/>
+        </a:xfrm>
+      </p:grpSpPr>
+      <p:sp>
+        <p:nvSpPr>
+          <p:cNvPr id="2" name="Title 1">
+            <a:extLst>
+              <a:ext uri="{FF2B5EF4-FFF2-40B4-BE49-F238E27FC236}">
+                <a16:creationId xmlns:a16="http://schemas.microsoft.com/office/drawing/2014/main" id="{F9399766-AC0D-4591-B985-1799282BF644}"/>
+              </a:ext>
+            </a:extLst>
+          </p:cNvPr>
+          <p:cNvSpPr>
+            <a:spLocks noGrp="1"/>
+          </p:cNvSpPr>
+          <p:nvPr>
+            <p:ph type="title"/>
+          </p:nvPr>
+        </p:nvSpPr>
+        <p:spPr/>
+        <p:txBody>
+          <a:bodyPr/>
+          <a:lstStyle/>
+          <a:p>
+            <a:r>
+              <a:rPr lang="en-US" dirty="0"/>
+              <a:t>Implemented algorithm</a:t>
+            </a:r>
+          </a:p>
+        </p:txBody>
+      </p:sp>
+      <p:sp>
+        <p:nvSpPr>
+          <p:cNvPr id="3" name="Content Placeholder 2">
+            <a:extLst>
+              <a:ext uri="{FF2B5EF4-FFF2-40B4-BE49-F238E27FC236}">
+                <a16:creationId xmlns:a16="http://schemas.microsoft.com/office/drawing/2014/main" id="{23E126A6-E685-4457-BEC1-33CA5BBBD817}"/>
+              </a:ext>
+            </a:extLst>
+          </p:cNvPr>
+          <p:cNvSpPr>
+            <a:spLocks noGrp="1"/>
+          </p:cNvSpPr>
+          <p:nvPr>
+            <p:ph idx="1"/>
+          </p:nvPr>
+        </p:nvSpPr>
+        <p:spPr/>
+        <p:txBody>
+          <a:bodyPr/>
+          <a:lstStyle/>
+          <a:p>
+            <a:r>
+              <a:rPr lang="en-US" dirty="0"/>
+              <a:t>Auto Encoder(GAN)- </a:t>
+            </a:r>
+            <a:r>
+              <a:rPr lang="en-US" dirty="0" err="1"/>
+              <a:t>Akshay</a:t>
+            </a:r>
+            <a:endParaRPr lang="en-US" dirty="0"/>
+          </a:p>
+          <a:p>
+            <a:r>
+              <a:rPr lang="en-US" dirty="0"/>
+              <a:t>Variational auto encoder(VAE)- </a:t>
+            </a:r>
+            <a:r>
+              <a:rPr lang="en-US" dirty="0" err="1"/>
+              <a:t>ALavi</a:t>
+            </a:r>
+            <a:endParaRPr lang="en-US" dirty="0"/>
+          </a:p>
+          <a:p>
+            <a:r>
+              <a:rPr lang="en-US" dirty="0"/>
+              <a:t>Cyclic Generative Auto Encoder(CGAN)- Rohit</a:t>
+            </a:r>
+          </a:p>
+          <a:p>
+            <a:r>
+              <a:rPr lang="en-US" dirty="0"/>
+              <a:t>Neural Style </a:t>
+            </a:r>
+            <a:r>
+              <a:rPr lang="en-US"/>
+              <a:t>Transfer- Shahbaz</a:t>
+            </a:r>
+            <a:endParaRPr lang="en-US" dirty="0"/>
+          </a:p>
+          <a:p>
+            <a:endParaRPr lang="en-US" dirty="0"/>
+          </a:p>
+        </p:txBody>
+      </p:sp>
+    </p:spTree>
+    <p:extLst>
+      <p:ext uri="{BB962C8B-B14F-4D97-AF65-F5344CB8AC3E}">
+        <p14:creationId xmlns:p14="http://schemas.microsoft.com/office/powerpoint/2010/main" val="2484564607"/>
       </p:ext>
     </p:extLst>
   </p:cSld>

--- a/Documentation/Project Presentation.pptx
+++ b/Documentation/Project Presentation.pptx
@@ -3823,13 +3823,8 @@
           <a:p>
             <a:r>
               <a:rPr lang="en-US" dirty="0"/>
-              <a:t>Neural Style </a:t>
-            </a:r>
-            <a:r>
-              <a:rPr lang="en-US"/>
-              <a:t>Transfer- Shahbaz</a:t>
-            </a:r>
-            <a:endParaRPr lang="en-US" dirty="0"/>
+              <a:t>Neural Style Transfer- Shahbaz</a:t>
+            </a:r>
           </a:p>
           <a:p>
             <a:endParaRPr lang="en-US" dirty="0"/>
